--- a/doc/Presentation.pptx
+++ b/doc/Presentation.pptx
@@ -3895,6 +3895,83 @@
           </a:fontRef>
         </p:style>
       </p:cxnSp>
+      <p:sp>
+        <p:nvSpPr>
+          <p:cNvPr id="26" name="TextBox 25">
+            <a:extLst>
+              <a:ext uri="{FF2B5EF4-FFF2-40B4-BE49-F238E27FC236}">
+                <a16:creationId xmlns:a16="http://schemas.microsoft.com/office/drawing/2014/main" id="{26BB9E34-7A43-4C2B-A32D-661AFE64F3F8}"/>
+              </a:ext>
+            </a:extLst>
+          </p:cNvPr>
+          <p:cNvSpPr txBox="1"/>
+          <p:nvPr/>
+        </p:nvSpPr>
+        <p:spPr>
+          <a:xfrm>
+            <a:off x="4937433" y="1673583"/>
+            <a:ext cx="1862245" cy="400110"/>
+          </a:xfrm>
+          <a:prstGeom prst="rect">
+            <a:avLst/>
+          </a:prstGeom>
+          <a:noFill/>
+        </p:spPr>
+        <p:txBody>
+          <a:bodyPr wrap="square" rtlCol="0">
+            <a:spAutoFit/>
+          </a:bodyPr>
+          <a:lstStyle/>
+          <a:p>
+            <a:pPr algn="ctr"/>
+            <a:r>
+              <a:rPr lang="fr-FR" sz="2000" dirty="0"/>
+              <a:t>XML package</a:t>
+            </a:r>
+          </a:p>
+        </p:txBody>
+      </p:sp>
+      <p:sp>
+        <p:nvSpPr>
+          <p:cNvPr id="27" name="TextBox 26">
+            <a:extLst>
+              <a:ext uri="{FF2B5EF4-FFF2-40B4-BE49-F238E27FC236}">
+                <a16:creationId xmlns:a16="http://schemas.microsoft.com/office/drawing/2014/main" id="{27F460D4-1134-446C-A9EB-097257A7825F}"/>
+              </a:ext>
+            </a:extLst>
+          </p:cNvPr>
+          <p:cNvSpPr txBox="1"/>
+          <p:nvPr/>
+        </p:nvSpPr>
+        <p:spPr>
+          <a:xfrm>
+            <a:off x="4680151" y="5506381"/>
+            <a:ext cx="1862245" cy="707886"/>
+          </a:xfrm>
+          <a:prstGeom prst="rect">
+            <a:avLst/>
+          </a:prstGeom>
+          <a:noFill/>
+        </p:spPr>
+        <p:txBody>
+          <a:bodyPr wrap="square" rtlCol="0">
+            <a:spAutoFit/>
+          </a:bodyPr>
+          <a:lstStyle/>
+          <a:p>
+            <a:pPr algn="ctr"/>
+            <a:r>
+              <a:rPr lang="fr-FR" sz="2000" dirty="0"/>
+              <a:t>Folders and files as .html .xml .</a:t>
+            </a:r>
+            <a:r>
+              <a:rPr lang="fr-FR" sz="2000" dirty="0" err="1"/>
+              <a:t>js</a:t>
+            </a:r>
+            <a:endParaRPr lang="fr-FR" sz="2000" dirty="0"/>
+          </a:p>
+        </p:txBody>
+      </p:sp>
     </p:spTree>
     <p:extLst>
       <p:ext uri="{BB962C8B-B14F-4D97-AF65-F5344CB8AC3E}">
